--- a/Презентация конференция/Предварительная.pptx
+++ b/Презентация конференция/Предварительная.pptx
@@ -313,7 +313,7 @@
           <a:p>
             <a:fld id="{5BCAD085-E8A6-8845-BD4E-CB4CCA059FC4}" type="datetimeFigureOut">
               <a:rPr lang="en-US" smtClean="0"/>
-              <a:t>4/9/2025</a:t>
+              <a:t>4/11/2025</a:t>
             </a:fld>
             <a:endParaRPr lang="en-US"/>
           </a:p>
@@ -481,7 +481,7 @@
           <a:p>
             <a:fld id="{5BCAD085-E8A6-8845-BD4E-CB4CCA059FC4}" type="datetimeFigureOut">
               <a:rPr lang="en-US" smtClean="0"/>
-              <a:t>4/9/2025</a:t>
+              <a:t>4/11/2025</a:t>
             </a:fld>
             <a:endParaRPr lang="en-US"/>
           </a:p>
@@ -659,7 +659,7 @@
           <a:p>
             <a:fld id="{5BCAD085-E8A6-8845-BD4E-CB4CCA059FC4}" type="datetimeFigureOut">
               <a:rPr lang="en-US" smtClean="0"/>
-              <a:t>4/9/2025</a:t>
+              <a:t>4/11/2025</a:t>
             </a:fld>
             <a:endParaRPr lang="en-US"/>
           </a:p>
@@ -827,7 +827,7 @@
           <a:p>
             <a:fld id="{5BCAD085-E8A6-8845-BD4E-CB4CCA059FC4}" type="datetimeFigureOut">
               <a:rPr lang="en-US" smtClean="0"/>
-              <a:t>4/9/2025</a:t>
+              <a:t>4/11/2025</a:t>
             </a:fld>
             <a:endParaRPr lang="en-US"/>
           </a:p>
@@ -1072,7 +1072,7 @@
           <a:p>
             <a:fld id="{5BCAD085-E8A6-8845-BD4E-CB4CCA059FC4}" type="datetimeFigureOut">
               <a:rPr lang="en-US" smtClean="0"/>
-              <a:t>4/9/2025</a:t>
+              <a:t>4/11/2025</a:t>
             </a:fld>
             <a:endParaRPr lang="en-US"/>
           </a:p>
@@ -1357,7 +1357,7 @@
           <a:p>
             <a:fld id="{5BCAD085-E8A6-8845-BD4E-CB4CCA059FC4}" type="datetimeFigureOut">
               <a:rPr lang="en-US" smtClean="0"/>
-              <a:t>4/9/2025</a:t>
+              <a:t>4/11/2025</a:t>
             </a:fld>
             <a:endParaRPr lang="en-US"/>
           </a:p>
@@ -1776,7 +1776,7 @@
           <a:p>
             <a:fld id="{5BCAD085-E8A6-8845-BD4E-CB4CCA059FC4}" type="datetimeFigureOut">
               <a:rPr lang="en-US" smtClean="0"/>
-              <a:t>4/9/2025</a:t>
+              <a:t>4/11/2025</a:t>
             </a:fld>
             <a:endParaRPr lang="en-US"/>
           </a:p>
@@ -1893,7 +1893,7 @@
           <a:p>
             <a:fld id="{5BCAD085-E8A6-8845-BD4E-CB4CCA059FC4}" type="datetimeFigureOut">
               <a:rPr lang="en-US" smtClean="0"/>
-              <a:t>4/9/2025</a:t>
+              <a:t>4/11/2025</a:t>
             </a:fld>
             <a:endParaRPr lang="en-US"/>
           </a:p>
@@ -1988,7 +1988,7 @@
           <a:p>
             <a:fld id="{5BCAD085-E8A6-8845-BD4E-CB4CCA059FC4}" type="datetimeFigureOut">
               <a:rPr lang="en-US" smtClean="0"/>
-              <a:t>4/9/2025</a:t>
+              <a:t>4/11/2025</a:t>
             </a:fld>
             <a:endParaRPr lang="en-US"/>
           </a:p>
@@ -2263,7 +2263,7 @@
           <a:p>
             <a:fld id="{5BCAD085-E8A6-8845-BD4E-CB4CCA059FC4}" type="datetimeFigureOut">
               <a:rPr lang="en-US" smtClean="0"/>
-              <a:t>4/9/2025</a:t>
+              <a:t>4/11/2025</a:t>
             </a:fld>
             <a:endParaRPr lang="en-US"/>
           </a:p>
@@ -2515,7 +2515,7 @@
           <a:p>
             <a:fld id="{5BCAD085-E8A6-8845-BD4E-CB4CCA059FC4}" type="datetimeFigureOut">
               <a:rPr lang="en-US" smtClean="0"/>
-              <a:t>4/9/2025</a:t>
+              <a:t>4/11/2025</a:t>
             </a:fld>
             <a:endParaRPr lang="en-US"/>
           </a:p>
@@ -2726,7 +2726,7 @@
           <a:p>
             <a:fld id="{5BCAD085-E8A6-8845-BD4E-CB4CCA059FC4}" type="datetimeFigureOut">
               <a:rPr lang="en-US" smtClean="0"/>
-              <a:t>4/9/2025</a:t>
+              <a:t>4/11/2025</a:t>
             </a:fld>
             <a:endParaRPr lang="en-US"/>
           </a:p>
@@ -4629,8 +4629,8 @@
         </p:nvSpPr>
         <p:spPr>
           <a:xfrm>
-            <a:off x="640080" y="765586"/>
-            <a:ext cx="7253909" cy="5663089"/>
+            <a:off x="640080" y="456247"/>
+            <a:ext cx="10963963" cy="6401753"/>
           </a:xfrm>
           <a:prstGeom prst="rect">
             <a:avLst/>
@@ -4654,14 +4654,18 @@
               </a:defRPr>
             </a:pPr>
             <a:r>
-              <a:rPr sz="4000" dirty="0" err="1"/>
+              <a:rPr lang="ru-RU" sz="3200" b="1" dirty="0"/>
+              <a:t>🎯 </a:t>
+            </a:r>
+            <a:r>
+              <a:rPr sz="4000" b="1" dirty="0" err="1"/>
               <a:t>Цель</a:t>
             </a:r>
             <a:r>
-              <a:rPr sz="4000" dirty="0"/>
+              <a:rPr sz="4000" b="1" dirty="0"/>
               <a:t>:</a:t>
             </a:r>
-            <a:endParaRPr lang="ru-RU" sz="4000" dirty="0"/>
+            <a:endParaRPr lang="ru-RU" sz="4000" b="1" dirty="0"/>
           </a:p>
           <a:p>
             <a:pPr>
@@ -4674,7 +4678,7 @@
             <a:endParaRPr lang="ru-RU" dirty="0"/>
           </a:p>
           <a:p>
-            <a:pPr>
+            <a:pPr algn="just">
               <a:defRPr sz="2400">
                 <a:solidFill>
                   <a:srgbClr val="323232"/>
@@ -4683,33 +4687,28 @@
             </a:pPr>
             <a:r>
               <a:rPr lang="ru-RU" dirty="0"/>
-              <a:t>Спроектировать и </a:t>
-            </a:r>
-            <a:r>
-              <a:rPr dirty="0" err="1"/>
-              <a:t>разработать</a:t>
-            </a:r>
-            <a:r>
-              <a:rPr dirty="0"/>
-              <a:t> </a:t>
-            </a:r>
-            <a:r>
-              <a:rPr dirty="0" err="1"/>
-              <a:t>программный</a:t>
-            </a:r>
-            <a:r>
-              <a:rPr dirty="0"/>
-              <a:t> </a:t>
-            </a:r>
-            <a:r>
-              <a:rPr dirty="0" err="1"/>
-              <a:t>модуль</a:t>
-            </a:r>
-            <a:r>
+              <a:t>Проектирование и разработка программного модуля интерактивного</a:t>
+            </a:r>
+            <a:br>
               <a:rPr lang="ru-RU" dirty="0"/>
-              <a:t>.</a:t>
-            </a:r>
-            <a:endParaRPr dirty="0"/>
+            </a:br>
+            <a:r>
+              <a:rPr lang="ru-RU" dirty="0"/>
+              <a:t>конфигуратора персонального компьютера с поддержкой 3D-визуализации. Для</a:t>
+            </a:r>
+          </a:p>
+          <a:p>
+            <a:pPr algn="just">
+              <a:defRPr sz="2400">
+                <a:solidFill>
+                  <a:srgbClr val="323232"/>
+                </a:solidFill>
+              </a:defRPr>
+            </a:pPr>
+            <a:r>
+              <a:rPr lang="ru-RU" dirty="0"/>
+              <a:t>использования в сервисных центрах, магазинах цифровой техники и мастерских. </a:t>
+            </a:r>
           </a:p>
           <a:p>
             <a:pPr>
@@ -4730,7 +4729,11 @@
               </a:defRPr>
             </a:pPr>
             <a:r>
-              <a:rPr lang="ru-RU" sz="4000" dirty="0"/>
+              <a:rPr lang="ru-RU" sz="3200" b="1" dirty="0"/>
+              <a:t>✅ </a:t>
+            </a:r>
+            <a:r>
+              <a:rPr lang="ru-RU" sz="4000" b="1" dirty="0"/>
               <a:t>Задачи:</a:t>
             </a:r>
           </a:p>
